--- a/Figure-3-1/Figure31/Figure31_blog.pptx
+++ b/Figure-3-1/Figure31/Figure31_blog.pptx
@@ -625,6 +625,420 @@
             <a:r>
               <a:rPr/>
               <a:t>breaks</a:t>
+            </a:r>
+          </a:p>
+          <a:p>
+            <a:pPr lvl="0" marL="0" indent="0">
+              <a:buNone/>
+            </a:pPr>
+          </a:p>
+          <a:p>
+            <a:pPr lvl="0" marL="0" indent="0">
+              <a:buNone/>
+            </a:pPr>
+            <a:r>
+              <a:rPr/>
+              <a:t>Notes:</a:t>
+            </a:r>
+            <a:r>
+              <a:rPr/>
+              <a:t> </a:t>
+            </a:r>
+            <a:r>
+              <a:rPr/>
+              <a:t>Value</a:t>
+            </a:r>
+            <a:r>
+              <a:rPr/>
+              <a:t> </a:t>
+            </a:r>
+            <a:r>
+              <a:rPr/>
+              <a:t>of</a:t>
+            </a:r>
+            <a:r>
+              <a:rPr/>
+              <a:t> </a:t>
+            </a:r>
+            <a:r>
+              <a:rPr/>
+              <a:t>tax</a:t>
+            </a:r>
+            <a:r>
+              <a:rPr/>
+              <a:t> </a:t>
+            </a:r>
+            <a:r>
+              <a:rPr/>
+              <a:t>breaks</a:t>
+            </a:r>
+            <a:r>
+              <a:rPr/>
+              <a:t> </a:t>
+            </a:r>
+            <a:r>
+              <a:rPr/>
+              <a:t>calculated</a:t>
+            </a:r>
+            <a:r>
+              <a:rPr/>
+              <a:t> </a:t>
+            </a:r>
+            <a:r>
+              <a:rPr/>
+              <a:t>against</a:t>
+            </a:r>
+            <a:r>
+              <a:rPr/>
+              <a:t> </a:t>
+            </a:r>
+            <a:r>
+              <a:rPr/>
+              <a:t>a</a:t>
+            </a:r>
+            <a:r>
+              <a:rPr/>
+              <a:t> </a:t>
+            </a:r>
+            <a:r>
+              <a:rPr/>
+              <a:t>comprehensiveincome</a:t>
+            </a:r>
+            <a:r>
+              <a:rPr/>
+              <a:t> </a:t>
+            </a:r>
+            <a:r>
+              <a:rPr/>
+              <a:t>tax</a:t>
+            </a:r>
+            <a:r>
+              <a:rPr/>
+              <a:t> </a:t>
+            </a:r>
+            <a:r>
+              <a:rPr/>
+              <a:t>benchmark.</a:t>
+            </a:r>
+            <a:r>
+              <a:rPr/>
+              <a:t> </a:t>
+            </a:r>
+            <a:r>
+              <a:rPr/>
+              <a:t>Deciles</a:t>
+            </a:r>
+            <a:r>
+              <a:rPr/>
+              <a:t> </a:t>
+            </a:r>
+            <a:r>
+              <a:rPr/>
+              <a:t>sorted</a:t>
+            </a:r>
+            <a:r>
+              <a:rPr/>
+              <a:t> </a:t>
+            </a:r>
+            <a:r>
+              <a:rPr/>
+              <a:t>by</a:t>
+            </a:r>
+            <a:r>
+              <a:rPr/>
+              <a:t> </a:t>
+            </a:r>
+            <a:r>
+              <a:rPr/>
+              <a:t>taxable</a:t>
+            </a:r>
+            <a:r>
+              <a:rPr/>
+              <a:t> </a:t>
+            </a:r>
+            <a:r>
+              <a:rPr/>
+              <a:t>income.Projections</a:t>
+            </a:r>
+            <a:r>
+              <a:rPr/>
+              <a:t> </a:t>
+            </a:r>
+            <a:r>
+              <a:rPr/>
+              <a:t>to</a:t>
+            </a:r>
+            <a:r>
+              <a:rPr/>
+              <a:t> </a:t>
+            </a:r>
+            <a:r>
+              <a:rPr/>
+              <a:t>2020-21</a:t>
+            </a:r>
+            <a:r>
+              <a:rPr/>
+              <a:t> </a:t>
+            </a:r>
+            <a:r>
+              <a:rPr/>
+              <a:t>assume</a:t>
+            </a:r>
+            <a:r>
+              <a:rPr/>
+              <a:t> </a:t>
+            </a:r>
+            <a:r>
+              <a:rPr/>
+              <a:t>2%</a:t>
+            </a:r>
+            <a:r>
+              <a:rPr/>
+              <a:t> </a:t>
+            </a:r>
+            <a:r>
+              <a:rPr/>
+              <a:t>wage</a:t>
+            </a:r>
+            <a:r>
+              <a:rPr/>
+              <a:t> </a:t>
+            </a:r>
+            <a:r>
+              <a:rPr/>
+              <a:t>growth</a:t>
+            </a:r>
+            <a:r>
+              <a:rPr/>
+              <a:t> </a:t>
+            </a:r>
+            <a:r>
+              <a:rPr/>
+              <a:t>and</a:t>
+            </a:r>
+            <a:r>
+              <a:rPr/>
+              <a:t> </a:t>
+            </a:r>
+            <a:r>
+              <a:rPr/>
+              <a:t>0%</a:t>
+            </a:r>
+            <a:r>
+              <a:rPr/>
+              <a:t> </a:t>
+            </a:r>
+            <a:r>
+              <a:rPr/>
+              <a:t>growth</a:t>
+            </a:r>
+            <a:r>
+              <a:rPr/>
+              <a:t> </a:t>
+            </a:r>
+            <a:r>
+              <a:rPr/>
+              <a:t>in</a:t>
+            </a:r>
+            <a:r>
+              <a:rPr/>
+              <a:t> </a:t>
+            </a:r>
+            <a:r>
+              <a:rPr/>
+              <a:t>the</a:t>
+            </a:r>
+            <a:r>
+              <a:rPr/>
+              <a:t> </a:t>
+            </a:r>
+            <a:r>
+              <a:rPr/>
+              <a:t>number</a:t>
+            </a:r>
+            <a:r>
+              <a:rPr/>
+              <a:t> </a:t>
+            </a:r>
+            <a:r>
+              <a:rPr/>
+              <a:t>of</a:t>
+            </a:r>
+            <a:r>
+              <a:rPr/>
+              <a:t> </a:t>
+            </a:r>
+            <a:r>
+              <a:rPr/>
+              <a:t>taxfilers</a:t>
+            </a:r>
+            <a:r>
+              <a:rPr/>
+              <a:t> </a:t>
+            </a:r>
+            <a:r>
+              <a:rPr/>
+              <a:t>from</a:t>
+            </a:r>
+            <a:r>
+              <a:rPr/>
+              <a:t> </a:t>
+            </a:r>
+            <a:r>
+              <a:rPr/>
+              <a:t>2019-20</a:t>
+            </a:r>
+            <a:r>
+              <a:rPr/>
+              <a:t> </a:t>
+            </a:r>
+            <a:r>
+              <a:rPr/>
+              <a:t>to</a:t>
+            </a:r>
+            <a:r>
+              <a:rPr/>
+              <a:t> </a:t>
+            </a:r>
+            <a:r>
+              <a:rPr/>
+              <a:t>2020-21</a:t>
+            </a:r>
+            <a:r>
+              <a:rPr/>
+              <a:t> </a:t>
+            </a:r>
+            <a:r>
+              <a:rPr/>
+              <a:t>Only</a:t>
+            </a:r>
+            <a:r>
+              <a:rPr/>
+              <a:t> </a:t>
+            </a:r>
+            <a:r>
+              <a:rPr/>
+              <a:t>includes</a:t>
+            </a:r>
+            <a:r>
+              <a:rPr/>
+              <a:t> </a:t>
+            </a:r>
+            <a:r>
+              <a:rPr/>
+              <a:t>taxpayers</a:t>
+            </a:r>
+            <a:r>
+              <a:rPr/>
+              <a:t> </a:t>
+            </a:r>
+            <a:r>
+              <a:rPr/>
+              <a:t>that</a:t>
+            </a:r>
+            <a:r>
+              <a:rPr/>
+              <a:t> </a:t>
+            </a:r>
+            <a:r>
+              <a:rPr/>
+              <a:t>made</a:t>
+            </a:r>
+            <a:r>
+              <a:rPr/>
+              <a:t> </a:t>
+            </a:r>
+            <a:r>
+              <a:rPr/>
+              <a:t>a</a:t>
+            </a:r>
+            <a:r>
+              <a:rPr/>
+              <a:t> </a:t>
+            </a:r>
+            <a:r>
+              <a:rPr/>
+              <a:t>pre-tax</a:t>
+            </a:r>
+            <a:r>
+              <a:rPr/>
+              <a:t> </a:t>
+            </a:r>
+            <a:r>
+              <a:rPr/>
+              <a:t>contribution</a:t>
+            </a:r>
+            <a:r>
+              <a:rPr/>
+              <a:t> </a:t>
+            </a:r>
+            <a:r>
+              <a:rPr/>
+              <a:t>in</a:t>
+            </a:r>
+            <a:r>
+              <a:rPr/>
+              <a:t> </a:t>
+            </a:r>
+            <a:r>
+              <a:rPr/>
+              <a:t>that</a:t>
+            </a:r>
+            <a:r>
+              <a:rPr/>
+              <a:t> </a:t>
+            </a:r>
+            <a:r>
+              <a:rPr/>
+              <a:t>year.</a:t>
+            </a:r>
+            <a:r>
+              <a:rPr/>
+              <a:t> </a:t>
+            </a:r>
+            <a:r>
+              <a:rPr/>
+              <a:t>Source:</a:t>
+            </a:r>
+            <a:r>
+              <a:rPr/>
+              <a:t> </a:t>
+            </a:r>
+            <a:r>
+              <a:rPr/>
+              <a:t>ATO</a:t>
+            </a:r>
+            <a:r>
+              <a:rPr/>
+              <a:t> </a:t>
+            </a:r>
+            <a:r>
+              <a:rPr/>
+              <a:t>2017-18</a:t>
+            </a:r>
+            <a:r>
+              <a:rPr/>
+              <a:t> </a:t>
+            </a:r>
+            <a:r>
+              <a:rPr/>
+              <a:t>2%</a:t>
+            </a:r>
+            <a:r>
+              <a:rPr/>
+              <a:t> </a:t>
+            </a:r>
+            <a:r>
+              <a:rPr/>
+              <a:t>sample</a:t>
+            </a:r>
+            <a:r>
+              <a:rPr/>
+              <a:t> </a:t>
+            </a:r>
+            <a:r>
+              <a:rPr/>
+              <a:t>file</a:t>
             </a:r>
           </a:p>
           <a:p>
@@ -4149,7 +4563,7 @@
           <p:spPr>
             <a:xfrm>
               <a:off x="437787" y="1322639"/>
-              <a:ext cx="8502884" cy="4844159"/>
+              <a:ext cx="8502884" cy="4262806"/>
             </a:xfrm>
             <a:prstGeom prst="rect">
               <a:avLst/>
@@ -4174,7 +4588,7 @@
           </p:nvSpPr>
           <p:spPr>
             <a:xfrm>
-              <a:off x="437787" y="5994665"/>
+              <a:off x="437787" y="5433970"/>
               <a:ext cx="8502884" cy="0"/>
             </a:xfrm>
             <a:custGeom>
@@ -4217,7 +4631,7 @@
           </p:nvSpPr>
           <p:spPr>
             <a:xfrm>
-              <a:off x="437787" y="4391019"/>
+              <a:off x="437787" y="4022780"/>
               <a:ext cx="8502884" cy="0"/>
             </a:xfrm>
             <a:custGeom>
@@ -4260,7 +4674,7 @@
           </p:nvSpPr>
           <p:spPr>
             <a:xfrm>
-              <a:off x="437787" y="2787374"/>
+              <a:off x="437787" y="2611589"/>
               <a:ext cx="8502884" cy="0"/>
             </a:xfrm>
             <a:custGeom>
@@ -4303,8 +4717,8 @@
           </p:nvSpPr>
           <p:spPr>
             <a:xfrm>
-              <a:off x="562829" y="5994665"/>
-              <a:ext cx="750254" cy="172133"/>
+              <a:off x="562829" y="5433970"/>
+              <a:ext cx="750254" cy="151475"/>
             </a:xfrm>
             <a:prstGeom prst="rect">
               <a:avLst/>
@@ -4338,8 +4752,8 @@
           </p:nvSpPr>
           <p:spPr>
             <a:xfrm>
-              <a:off x="1396445" y="5774957"/>
-              <a:ext cx="750254" cy="219708"/>
+              <a:off x="1396445" y="5240629"/>
+              <a:ext cx="750254" cy="193340"/>
             </a:xfrm>
             <a:prstGeom prst="rect">
               <a:avLst/>
@@ -4373,8 +4787,8 @@
           </p:nvSpPr>
           <p:spPr>
             <a:xfrm>
-              <a:off x="2230062" y="5498705"/>
-              <a:ext cx="750254" cy="495960"/>
+              <a:off x="2230062" y="4997531"/>
+              <a:ext cx="750254" cy="436439"/>
             </a:xfrm>
             <a:prstGeom prst="rect">
               <a:avLst/>
@@ -4408,8 +4822,8 @@
           </p:nvSpPr>
           <p:spPr>
             <a:xfrm>
-              <a:off x="3063678" y="4924515"/>
-              <a:ext cx="750254" cy="1070150"/>
+              <a:off x="3063678" y="4492250"/>
+              <a:ext cx="750254" cy="941720"/>
             </a:xfrm>
             <a:prstGeom prst="rect">
               <a:avLst/>
@@ -4443,8 +4857,8 @@
           </p:nvSpPr>
           <p:spPr>
             <a:xfrm>
-              <a:off x="3897294" y="4759366"/>
-              <a:ext cx="750254" cy="1235299"/>
+              <a:off x="3897294" y="4346921"/>
+              <a:ext cx="750254" cy="1087049"/>
             </a:xfrm>
             <a:prstGeom prst="rect">
               <a:avLst/>
@@ -4478,8 +4892,8 @@
           </p:nvSpPr>
           <p:spPr>
             <a:xfrm>
-              <a:off x="4730910" y="4555844"/>
-              <a:ext cx="750254" cy="1438821"/>
+              <a:off x="4730910" y="4167824"/>
+              <a:ext cx="750254" cy="1266146"/>
             </a:xfrm>
             <a:prstGeom prst="rect">
               <a:avLst/>
@@ -4513,8 +4927,8 @@
           </p:nvSpPr>
           <p:spPr>
             <a:xfrm>
-              <a:off x="5564526" y="4321295"/>
-              <a:ext cx="750254" cy="1673370"/>
+              <a:off x="5564526" y="3961423"/>
+              <a:ext cx="750254" cy="1472547"/>
             </a:xfrm>
             <a:prstGeom prst="rect">
               <a:avLst/>
@@ -4548,8 +4962,8 @@
           </p:nvSpPr>
           <p:spPr>
             <a:xfrm>
-              <a:off x="6398142" y="3627056"/>
-              <a:ext cx="750254" cy="2367608"/>
+              <a:off x="6398142" y="3350501"/>
+              <a:ext cx="750254" cy="2083469"/>
             </a:xfrm>
             <a:prstGeom prst="rect">
               <a:avLst/>
@@ -4583,8 +4997,8 @@
           </p:nvSpPr>
           <p:spPr>
             <a:xfrm>
-              <a:off x="7231758" y="2887429"/>
-              <a:ext cx="750254" cy="3107235"/>
+              <a:off x="7231758" y="2699637"/>
+              <a:ext cx="750254" cy="2734333"/>
             </a:xfrm>
             <a:prstGeom prst="rect">
               <a:avLst/>
@@ -4618,8 +5032,8 @@
           </p:nvSpPr>
           <p:spPr>
             <a:xfrm>
-              <a:off x="8065375" y="1394228"/>
-              <a:ext cx="750254" cy="4600437"/>
+              <a:off x="8065375" y="1385637"/>
+              <a:ext cx="750254" cy="4048333"/>
             </a:xfrm>
             <a:prstGeom prst="rect">
               <a:avLst/>
@@ -4653,7 +5067,7 @@
           </p:nvSpPr>
           <p:spPr>
             <a:xfrm>
-              <a:off x="208165" y="5909387"/>
+              <a:off x="208165" y="5348692"/>
               <a:ext cx="127136" cy="167096"/>
             </a:xfrm>
             <a:prstGeom prst="rect">
@@ -4699,7 +5113,7 @@
           </p:nvSpPr>
           <p:spPr>
             <a:xfrm>
-              <a:off x="81028" y="4305741"/>
+              <a:off x="81028" y="3937501"/>
               <a:ext cx="254272" cy="167096"/>
             </a:xfrm>
             <a:prstGeom prst="rect">
@@ -4745,7 +5159,7 @@
           </p:nvSpPr>
           <p:spPr>
             <a:xfrm>
-              <a:off x="81028" y="2702095"/>
+              <a:off x="81028" y="2526311"/>
               <a:ext cx="254272" cy="167096"/>
             </a:xfrm>
             <a:prstGeom prst="rect">
@@ -4791,7 +5205,7 @@
           </p:nvSpPr>
           <p:spPr>
             <a:xfrm>
-              <a:off x="437787" y="6166799"/>
+              <a:off x="437787" y="5585446"/>
               <a:ext cx="8502884" cy="0"/>
             </a:xfrm>
             <a:custGeom>
@@ -4831,7 +5245,7 @@
           </p:nvSpPr>
           <p:spPr>
             <a:xfrm>
-              <a:off x="937957" y="6166799"/>
+              <a:off x="937957" y="5585446"/>
               <a:ext cx="0" cy="56936"/>
             </a:xfrm>
             <a:custGeom>
@@ -4871,7 +5285,7 @@
           </p:nvSpPr>
           <p:spPr>
             <a:xfrm>
-              <a:off x="1771573" y="6166799"/>
+              <a:off x="1771573" y="5585446"/>
               <a:ext cx="0" cy="56936"/>
             </a:xfrm>
             <a:custGeom>
@@ -4911,7 +5325,7 @@
           </p:nvSpPr>
           <p:spPr>
             <a:xfrm>
-              <a:off x="2605189" y="6166799"/>
+              <a:off x="2605189" y="5585446"/>
               <a:ext cx="0" cy="56936"/>
             </a:xfrm>
             <a:custGeom>
@@ -4951,7 +5365,7 @@
           </p:nvSpPr>
           <p:spPr>
             <a:xfrm>
-              <a:off x="3438805" y="6166799"/>
+              <a:off x="3438805" y="5585446"/>
               <a:ext cx="0" cy="56936"/>
             </a:xfrm>
             <a:custGeom>
@@ -4991,7 +5405,7 @@
           </p:nvSpPr>
           <p:spPr>
             <a:xfrm>
-              <a:off x="4272421" y="6166799"/>
+              <a:off x="4272421" y="5585446"/>
               <a:ext cx="0" cy="56936"/>
             </a:xfrm>
             <a:custGeom>
@@ -5031,7 +5445,7 @@
           </p:nvSpPr>
           <p:spPr>
             <a:xfrm>
-              <a:off x="5106037" y="6166799"/>
+              <a:off x="5106037" y="5585446"/>
               <a:ext cx="0" cy="56936"/>
             </a:xfrm>
             <a:custGeom>
@@ -5071,7 +5485,7 @@
           </p:nvSpPr>
           <p:spPr>
             <a:xfrm>
-              <a:off x="5939653" y="6166799"/>
+              <a:off x="5939653" y="5585446"/>
               <a:ext cx="0" cy="56936"/>
             </a:xfrm>
             <a:custGeom>
@@ -5111,7 +5525,7 @@
           </p:nvSpPr>
           <p:spPr>
             <a:xfrm>
-              <a:off x="6773270" y="6166799"/>
+              <a:off x="6773270" y="5585446"/>
               <a:ext cx="0" cy="56936"/>
             </a:xfrm>
             <a:custGeom>
@@ -5151,7 +5565,7 @@
           </p:nvSpPr>
           <p:spPr>
             <a:xfrm>
-              <a:off x="7606886" y="6166799"/>
+              <a:off x="7606886" y="5585446"/>
               <a:ext cx="0" cy="56936"/>
             </a:xfrm>
             <a:custGeom>
@@ -5191,7 +5605,7 @@
           </p:nvSpPr>
           <p:spPr>
             <a:xfrm>
-              <a:off x="8440502" y="6166799"/>
+              <a:off x="8440502" y="5585446"/>
               <a:ext cx="0" cy="56936"/>
             </a:xfrm>
             <a:custGeom>
@@ -5231,7 +5645,7 @@
           </p:nvSpPr>
           <p:spPr>
             <a:xfrm>
-              <a:off x="874388" y="6268615"/>
+              <a:off x="874388" y="5687262"/>
               <a:ext cx="127136" cy="164306"/>
             </a:xfrm>
             <a:prstGeom prst="rect">
@@ -5277,7 +5691,7 @@
           </p:nvSpPr>
           <p:spPr>
             <a:xfrm>
-              <a:off x="1708004" y="6268615"/>
+              <a:off x="1708004" y="5687262"/>
               <a:ext cx="127136" cy="164306"/>
             </a:xfrm>
             <a:prstGeom prst="rect">
@@ -5323,7 +5737,7 @@
           </p:nvSpPr>
           <p:spPr>
             <a:xfrm>
-              <a:off x="2541621" y="6265713"/>
+              <a:off x="2541621" y="5684360"/>
               <a:ext cx="127136" cy="167208"/>
             </a:xfrm>
             <a:prstGeom prst="rect">
@@ -5369,7 +5783,7 @@
           </p:nvSpPr>
           <p:spPr>
             <a:xfrm>
-              <a:off x="3375237" y="6269285"/>
+              <a:off x="3375237" y="5687932"/>
               <a:ext cx="127136" cy="163636"/>
             </a:xfrm>
             <a:prstGeom prst="rect">
@@ -5415,7 +5829,7 @@
           </p:nvSpPr>
           <p:spPr>
             <a:xfrm>
-              <a:off x="4208853" y="6268726"/>
+              <a:off x="4208853" y="5687374"/>
               <a:ext cx="127136" cy="164194"/>
             </a:xfrm>
             <a:prstGeom prst="rect">
@@ -5461,7 +5875,7 @@
           </p:nvSpPr>
           <p:spPr>
             <a:xfrm>
-              <a:off x="5042469" y="6265824"/>
+              <a:off x="5042469" y="5684472"/>
               <a:ext cx="127136" cy="167096"/>
             </a:xfrm>
             <a:prstGeom prst="rect">
@@ -5507,7 +5921,7 @@
           </p:nvSpPr>
           <p:spPr>
             <a:xfrm>
-              <a:off x="5876085" y="6271405"/>
+              <a:off x="5876085" y="5690053"/>
               <a:ext cx="127136" cy="161515"/>
             </a:xfrm>
             <a:prstGeom prst="rect">
@@ -5553,7 +5967,7 @@
           </p:nvSpPr>
           <p:spPr>
             <a:xfrm>
-              <a:off x="6709701" y="6265824"/>
+              <a:off x="6709701" y="5684472"/>
               <a:ext cx="127136" cy="167096"/>
             </a:xfrm>
             <a:prstGeom prst="rect">
@@ -5599,7 +6013,7 @@
           </p:nvSpPr>
           <p:spPr>
             <a:xfrm>
-              <a:off x="7543317" y="6265824"/>
+              <a:off x="7543317" y="5684472"/>
               <a:ext cx="127136" cy="167096"/>
             </a:xfrm>
             <a:prstGeom prst="rect">
@@ -5645,7 +6059,7 @@
           </p:nvSpPr>
           <p:spPr>
             <a:xfrm>
-              <a:off x="8313365" y="6265824"/>
+              <a:off x="8313365" y="5684472"/>
               <a:ext cx="254272" cy="167096"/>
             </a:xfrm>
             <a:prstGeom prst="rect">
@@ -5691,7 +6105,7 @@
           </p:nvSpPr>
           <p:spPr>
             <a:xfrm>
-              <a:off x="4371611" y="6535287"/>
+              <a:off x="4371611" y="5953935"/>
               <a:ext cx="635235" cy="166315"/>
             </a:xfrm>
             <a:prstGeom prst="rect">
@@ -5725,6 +6139,144 @@
                   <a:cs typeface="Arial"/>
                 </a:rPr>
                 <a:t>Decile</a:t>
+              </a:r>
+            </a:p>
+          </p:txBody>
+        </p:sp>
+        <p:sp>
+          <p:nvSpPr>
+            <p:cNvPr id="46" name="tx44"/>
+            <p:cNvSpPr/>
+            <p:nvPr/>
+          </p:nvSpPr>
+          <p:spPr>
+            <a:xfrm>
+              <a:off x="81028" y="6329898"/>
+              <a:ext cx="9090376" cy="119067"/>
+            </a:xfrm>
+            <a:prstGeom prst="rect">
+              <a:avLst/>
+            </a:prstGeom>
+            <a:noFill/>
+          </p:spPr>
+          <p:txBody>
+            <a:bodyPr lIns="0" rIns="0" tIns="0" bIns="0" anchorCtr="1" anchor="ctr" wrap="none"/>
+            <a:lstStyle/>
+            <a:p>
+              <a:pPr algn="l" marL="0" marR="0" indent="0">
+                <a:lnSpc>
+                  <a:spcPts val="999"/>
+                </a:lnSpc>
+                <a:spcBef>
+                  <a:spcPts val="0"/>
+                </a:spcBef>
+                <a:spcAft>
+                  <a:spcPts val="0"/>
+                </a:spcAft>
+              </a:pPr>
+              <a:r>
+                <a:rPr sz="999" i="1">
+                  <a:solidFill>
+                    <a:srgbClr val="000000">
+                      <a:alpha val="100000"/>
+                    </a:srgbClr>
+                  </a:solidFill>
+                  <a:latin typeface="Arial"/>
+                  <a:cs typeface="Arial"/>
+                </a:rPr>
+                <a:t>Notes: Value of tax breaks calculated against a comprehensiveincome tax benchmark. Deciles sorted by taxable income.Projections to 2020-21 assume 2% wage</a:t>
+              </a:r>
+            </a:p>
+          </p:txBody>
+        </p:sp>
+        <p:sp>
+          <p:nvSpPr>
+            <p:cNvPr id="47" name="tx45"/>
+            <p:cNvSpPr/>
+            <p:nvPr/>
+          </p:nvSpPr>
+          <p:spPr>
+            <a:xfrm>
+              <a:off x="81028" y="6466921"/>
+              <a:ext cx="8025584" cy="119067"/>
+            </a:xfrm>
+            <a:prstGeom prst="rect">
+              <a:avLst/>
+            </a:prstGeom>
+            <a:noFill/>
+          </p:spPr>
+          <p:txBody>
+            <a:bodyPr lIns="0" rIns="0" tIns="0" bIns="0" anchorCtr="1" anchor="ctr" wrap="none"/>
+            <a:lstStyle/>
+            <a:p>
+              <a:pPr algn="l" marL="0" marR="0" indent="0">
+                <a:lnSpc>
+                  <a:spcPts val="999"/>
+                </a:lnSpc>
+                <a:spcBef>
+                  <a:spcPts val="0"/>
+                </a:spcBef>
+                <a:spcAft>
+                  <a:spcPts val="0"/>
+                </a:spcAft>
+              </a:pPr>
+              <a:r>
+                <a:rPr sz="999" i="1">
+                  <a:solidFill>
+                    <a:srgbClr val="000000">
+                      <a:alpha val="100000"/>
+                    </a:srgbClr>
+                  </a:solidFill>
+                  <a:latin typeface="Arial"/>
+                  <a:cs typeface="Arial"/>
+                </a:rPr>
+                <a:t>growth and 0% growth in the number of taxfilers from 2019-20 to 2020-21 Only includes taxpayers that made a pre-tax contribution in that year.</a:t>
+              </a:r>
+            </a:p>
+          </p:txBody>
+        </p:sp>
+        <p:sp>
+          <p:nvSpPr>
+            <p:cNvPr id="48" name="tx46"/>
+            <p:cNvSpPr/>
+            <p:nvPr/>
+          </p:nvSpPr>
+          <p:spPr>
+            <a:xfrm>
+              <a:off x="81028" y="6605431"/>
+              <a:ext cx="2094457" cy="117580"/>
+            </a:xfrm>
+            <a:prstGeom prst="rect">
+              <a:avLst/>
+            </a:prstGeom>
+            <a:noFill/>
+          </p:spPr>
+          <p:txBody>
+            <a:bodyPr lIns="0" rIns="0" tIns="0" bIns="0" anchorCtr="1" anchor="ctr" wrap="none"/>
+            <a:lstStyle/>
+            <a:p>
+              <a:pPr algn="l" marL="0" marR="0" indent="0">
+                <a:lnSpc>
+                  <a:spcPts val="999"/>
+                </a:lnSpc>
+                <a:spcBef>
+                  <a:spcPts val="0"/>
+                </a:spcBef>
+                <a:spcAft>
+                  <a:spcPts val="0"/>
+                </a:spcAft>
+              </a:pPr>
+              <a:r>
+                <a:rPr sz="999" i="1">
+                  <a:solidFill>
+                    <a:srgbClr val="000000">
+                      <a:alpha val="100000"/>
+                    </a:srgbClr>
+                  </a:solidFill>
+                  <a:latin typeface="Arial"/>
+                  <a:cs typeface="Arial"/>
+                </a:rPr>
+                <a:t>Source: ATO 2017-18 2% sample file</a:t>
               </a:r>
             </a:p>
           </p:txBody>

--- a/Figure-3-1/Figure31/Figure31_blog.pptx
+++ b/Figure-3-1/Figure31/Figure31_blog.pptx
@@ -702,7 +702,15 @@
             </a:r>
             <a:r>
               <a:rPr/>
-              <a:t>comprehensiveincome</a:t>
+              <a:t>comprehensive</a:t>
+            </a:r>
+            <a:r>
+              <a:rPr/>
+              <a:t> </a:t>
+            </a:r>
+            <a:r>
+              <a:rPr/>
+              <a:t>income</a:t>
             </a:r>
             <a:r>
               <a:rPr/>
@@ -758,7 +766,455 @@
             </a:r>
             <a:r>
               <a:rPr/>
-              <a:t>income.Projections</a:t>
+              <a:t>income.Superannuation</a:t>
+            </a:r>
+            <a:r>
+              <a:rPr/>
+              <a:t> </a:t>
+            </a:r>
+            <a:r>
+              <a:rPr/>
+              <a:t>tax</a:t>
+            </a:r>
+            <a:r>
+              <a:rPr/>
+              <a:t> </a:t>
+            </a:r>
+            <a:r>
+              <a:rPr/>
+              <a:t>breaks</a:t>
+            </a:r>
+            <a:r>
+              <a:rPr/>
+              <a:t> </a:t>
+            </a:r>
+            <a:r>
+              <a:rPr/>
+              <a:t>includes</a:t>
+            </a:r>
+            <a:r>
+              <a:rPr/>
+              <a:t> </a:t>
+            </a:r>
+            <a:r>
+              <a:rPr/>
+              <a:t>concessional</a:t>
+            </a:r>
+            <a:r>
+              <a:rPr/>
+              <a:t> </a:t>
+            </a:r>
+            <a:r>
+              <a:rPr/>
+              <a:t>taxes</a:t>
+            </a:r>
+            <a:r>
+              <a:rPr/>
+              <a:t> </a:t>
+            </a:r>
+            <a:r>
+              <a:rPr/>
+              <a:t>for</a:t>
+            </a:r>
+            <a:r>
+              <a:rPr/>
+              <a:t> </a:t>
+            </a:r>
+            <a:r>
+              <a:rPr/>
+              <a:t>contributions</a:t>
+            </a:r>
+            <a:r>
+              <a:rPr/>
+              <a:t> </a:t>
+            </a:r>
+            <a:r>
+              <a:rPr/>
+              <a:t>and</a:t>
+            </a:r>
+            <a:r>
+              <a:rPr/>
+              <a:t> </a:t>
+            </a:r>
+            <a:r>
+              <a:rPr/>
+              <a:t>earnings,</a:t>
+            </a:r>
+            <a:r>
+              <a:rPr/>
+              <a:t> </a:t>
+            </a:r>
+            <a:r>
+              <a:rPr/>
+              <a:t>taking</a:t>
+            </a:r>
+            <a:r>
+              <a:rPr/>
+              <a:t> </a:t>
+            </a:r>
+            <a:r>
+              <a:rPr/>
+              <a:t>into</a:t>
+            </a:r>
+            <a:r>
+              <a:rPr/>
+              <a:t> </a:t>
+            </a:r>
+            <a:r>
+              <a:rPr/>
+              <a:t>account</a:t>
+            </a:r>
+            <a:r>
+              <a:rPr/>
+              <a:t> </a:t>
+            </a:r>
+            <a:r>
+              <a:rPr/>
+              <a:t>LISTO.</a:t>
+            </a:r>
+            <a:r>
+              <a:rPr/>
+              <a:t> </a:t>
+            </a:r>
+            <a:r>
+              <a:rPr/>
+              <a:t>Assumes</a:t>
+            </a:r>
+            <a:r>
+              <a:rPr/>
+              <a:t> </a:t>
+            </a:r>
+            <a:r>
+              <a:rPr/>
+              <a:t>5%</a:t>
+            </a:r>
+            <a:r>
+              <a:rPr/>
+              <a:t> </a:t>
+            </a:r>
+            <a:r>
+              <a:rPr/>
+              <a:t>earnings</a:t>
+            </a:r>
+            <a:r>
+              <a:rPr/>
+              <a:t> </a:t>
+            </a:r>
+            <a:r>
+              <a:rPr/>
+              <a:t>in</a:t>
+            </a:r>
+            <a:r>
+              <a:rPr/>
+              <a:t> </a:t>
+            </a:r>
+            <a:r>
+              <a:rPr/>
+              <a:t>retirement</a:t>
+            </a:r>
+            <a:r>
+              <a:rPr/>
+              <a:t> </a:t>
+            </a:r>
+            <a:r>
+              <a:rPr/>
+              <a:t>and</a:t>
+            </a:r>
+            <a:r>
+              <a:rPr/>
+              <a:t> </a:t>
+            </a:r>
+            <a:r>
+              <a:rPr/>
+              <a:t>7%</a:t>
+            </a:r>
+            <a:r>
+              <a:rPr/>
+              <a:t> </a:t>
+            </a:r>
+            <a:r>
+              <a:rPr/>
+              <a:t>earnings</a:t>
+            </a:r>
+            <a:r>
+              <a:rPr/>
+              <a:t> </a:t>
+            </a:r>
+            <a:r>
+              <a:rPr/>
+              <a:t>in</a:t>
+            </a:r>
+            <a:r>
+              <a:rPr/>
+              <a:t> </a:t>
+            </a:r>
+            <a:r>
+              <a:rPr/>
+              <a:t>accumulation;</a:t>
+            </a:r>
+            <a:r>
+              <a:rPr/>
+              <a:t> </a:t>
+            </a:r>
+            <a:r>
+              <a:rPr/>
+              <a:t>assumes</a:t>
+            </a:r>
+            <a:r>
+              <a:rPr/>
+              <a:t> </a:t>
+            </a:r>
+            <a:r>
+              <a:rPr/>
+              <a:t>that</a:t>
+            </a:r>
+            <a:r>
+              <a:rPr/>
+              <a:t> </a:t>
+            </a:r>
+            <a:r>
+              <a:rPr/>
+              <a:t>the</a:t>
+            </a:r>
+            <a:r>
+              <a:rPr/>
+              <a:t> </a:t>
+            </a:r>
+            <a:r>
+              <a:rPr/>
+              <a:t>effective</a:t>
+            </a:r>
+            <a:r>
+              <a:rPr/>
+              <a:t> </a:t>
+            </a:r>
+            <a:r>
+              <a:rPr/>
+              <a:t>tax</a:t>
+            </a:r>
+            <a:r>
+              <a:rPr/>
+              <a:t> </a:t>
+            </a:r>
+            <a:r>
+              <a:rPr/>
+              <a:t>on</a:t>
+            </a:r>
+            <a:r>
+              <a:rPr/>
+              <a:t> </a:t>
+            </a:r>
+            <a:r>
+              <a:rPr/>
+              <a:t>earnings</a:t>
+            </a:r>
+            <a:r>
+              <a:rPr/>
+              <a:t> </a:t>
+            </a:r>
+            <a:r>
+              <a:rPr/>
+              <a:t>is</a:t>
+            </a:r>
+            <a:r>
+              <a:rPr/>
+              <a:t> </a:t>
+            </a:r>
+            <a:r>
+              <a:rPr/>
+              <a:t>10%</a:t>
+            </a:r>
+            <a:r>
+              <a:rPr/>
+              <a:t> </a:t>
+            </a:r>
+            <a:r>
+              <a:rPr/>
+              <a:t>assumes,</a:t>
+            </a:r>
+            <a:r>
+              <a:rPr/>
+              <a:t> </a:t>
+            </a:r>
+            <a:r>
+              <a:rPr/>
+              <a:t>if</a:t>
+            </a:r>
+            <a:r>
+              <a:rPr/>
+              <a:t> </a:t>
+            </a:r>
+            <a:r>
+              <a:rPr/>
+              <a:t>earnings</a:t>
+            </a:r>
+            <a:r>
+              <a:rPr/>
+              <a:t> </a:t>
+            </a:r>
+            <a:r>
+              <a:rPr/>
+              <a:t>taxes</a:t>
+            </a:r>
+            <a:r>
+              <a:rPr/>
+              <a:t> </a:t>
+            </a:r>
+            <a:r>
+              <a:rPr/>
+              <a:t>were</a:t>
+            </a:r>
+            <a:r>
+              <a:rPr/>
+              <a:t> </a:t>
+            </a:r>
+            <a:r>
+              <a:rPr/>
+              <a:t>abolished,</a:t>
+            </a:r>
+            <a:r>
+              <a:rPr/>
+              <a:t> </a:t>
+            </a:r>
+            <a:r>
+              <a:rPr/>
+              <a:t>taxfilers</a:t>
+            </a:r>
+            <a:r>
+              <a:rPr/>
+              <a:t> </a:t>
+            </a:r>
+            <a:r>
+              <a:rPr/>
+              <a:t>would</a:t>
+            </a:r>
+            <a:r>
+              <a:rPr/>
+              <a:t> </a:t>
+            </a:r>
+            <a:r>
+              <a:rPr/>
+              <a:t>put</a:t>
+            </a:r>
+            <a:r>
+              <a:rPr/>
+              <a:t> </a:t>
+            </a:r>
+            <a:r>
+              <a:rPr/>
+              <a:t>80%</a:t>
+            </a:r>
+            <a:r>
+              <a:rPr/>
+              <a:t> </a:t>
+            </a:r>
+            <a:r>
+              <a:rPr/>
+              <a:t>of</a:t>
+            </a:r>
+            <a:r>
+              <a:rPr/>
+              <a:t> </a:t>
+            </a:r>
+            <a:r>
+              <a:rPr/>
+              <a:t>earnings</a:t>
+            </a:r>
+            <a:r>
+              <a:rPr/>
+              <a:t> </a:t>
+            </a:r>
+            <a:r>
+              <a:rPr/>
+              <a:t>income</a:t>
+            </a:r>
+            <a:r>
+              <a:rPr/>
+              <a:t> </a:t>
+            </a:r>
+            <a:r>
+              <a:rPr/>
+              <a:t>into</a:t>
+            </a:r>
+            <a:r>
+              <a:rPr/>
+              <a:t> </a:t>
+            </a:r>
+            <a:r>
+              <a:rPr/>
+              <a:t>assets</a:t>
+            </a:r>
+            <a:r>
+              <a:rPr/>
+              <a:t> </a:t>
+            </a:r>
+            <a:r>
+              <a:rPr/>
+              <a:t>that</a:t>
+            </a:r>
+            <a:r>
+              <a:rPr/>
+              <a:t> </a:t>
+            </a:r>
+            <a:r>
+              <a:rPr/>
+              <a:t>would</a:t>
+            </a:r>
+            <a:r>
+              <a:rPr/>
+              <a:t> </a:t>
+            </a:r>
+            <a:r>
+              <a:rPr/>
+              <a:t>enjoy</a:t>
+            </a:r>
+            <a:r>
+              <a:rPr/>
+              <a:t> </a:t>
+            </a:r>
+            <a:r>
+              <a:rPr/>
+              <a:t>the</a:t>
+            </a:r>
+            <a:r>
+              <a:rPr/>
+              <a:t> </a:t>
+            </a:r>
+            <a:r>
+              <a:rPr/>
+              <a:t>capital</a:t>
+            </a:r>
+            <a:r>
+              <a:rPr/>
+              <a:t> </a:t>
+            </a:r>
+            <a:r>
+              <a:rPr/>
+              <a:t>gains</a:t>
+            </a:r>
+            <a:r>
+              <a:rPr/>
+              <a:t> </a:t>
+            </a:r>
+            <a:r>
+              <a:rPr/>
+              <a:t>tax</a:t>
+            </a:r>
+            <a:r>
+              <a:rPr/>
+              <a:t> </a:t>
+            </a:r>
+            <a:r>
+              <a:rPr/>
+              <a:t>discount;</a:t>
+            </a:r>
+            <a:r>
+              <a:rPr/>
+              <a:t> </a:t>
+            </a:r>
+            <a:r>
+              <a:rPr/>
+              <a:t>Projections</a:t>
             </a:r>
             <a:r>
               <a:rPr/>
@@ -4563,7 +5019,7 @@
           <p:spPr>
             <a:xfrm>
               <a:off x="437787" y="1322639"/>
-              <a:ext cx="8502884" cy="4262806"/>
+              <a:ext cx="8502884" cy="3851738"/>
             </a:xfrm>
             <a:prstGeom prst="rect">
               <a:avLst/>
@@ -4588,7 +5044,7 @@
           </p:nvSpPr>
           <p:spPr>
             <a:xfrm>
-              <a:off x="437787" y="5433970"/>
+              <a:off x="437787" y="5174378"/>
               <a:ext cx="8502884" cy="0"/>
             </a:xfrm>
             <a:custGeom>
@@ -4631,7 +5087,7 @@
           </p:nvSpPr>
           <p:spPr>
             <a:xfrm>
-              <a:off x="437787" y="4022780"/>
+              <a:off x="437787" y="4003391"/>
               <a:ext cx="8502884" cy="0"/>
             </a:xfrm>
             <a:custGeom>
@@ -4674,7 +5130,7 @@
           </p:nvSpPr>
           <p:spPr>
             <a:xfrm>
-              <a:off x="437787" y="2611589"/>
+              <a:off x="437787" y="2832404"/>
               <a:ext cx="8502884" cy="0"/>
             </a:xfrm>
             <a:custGeom>
@@ -4711,31 +5167,39 @@
         </p:sp>
         <p:sp>
           <p:nvSpPr>
-            <p:cNvPr id="11" name="rc9"/>
+            <p:cNvPr id="11" name="pl9"/>
             <p:cNvSpPr/>
             <p:nvPr/>
           </p:nvSpPr>
           <p:spPr>
             <a:xfrm>
-              <a:off x="562829" y="5433970"/>
-              <a:ext cx="750254" cy="151475"/>
+              <a:off x="437787" y="1661417"/>
+              <a:ext cx="8502884" cy="0"/>
             </a:xfrm>
-            <a:prstGeom prst="rect">
+            <a:custGeom>
               <a:avLst/>
-            </a:prstGeom>
-            <a:solidFill>
-              <a:srgbClr val="F68B33">
-                <a:alpha val="100000"/>
-              </a:srgbClr>
-            </a:solidFill>
-            <a:ln w="7143" cap="sq">
+              <a:pathLst>
+                <a:path w="8502884" h="0">
+                  <a:moveTo>
+                    <a:pt x="0" y="0"/>
+                  </a:moveTo>
+                  <a:lnTo>
+                    <a:pt x="8502884" y="0"/>
+                  </a:lnTo>
+                  <a:lnTo>
+                    <a:pt x="8502884" y="0"/>
+                  </a:lnTo>
+                </a:path>
+              </a:pathLst>
+            </a:custGeom>
+            <a:ln w="7143" cap="flat">
               <a:solidFill>
-                <a:srgbClr val="FFFFFF">
+                <a:srgbClr val="C3C7CB">
                   <a:alpha val="100000"/>
                 </a:srgbClr>
               </a:solidFill>
               <a:prstDash val="solid"/>
-              <a:miter/>
+              <a:round/>
             </a:ln>
           </p:spPr>
           <p:txBody>
@@ -4752,8 +5216,8 @@
           </p:nvSpPr>
           <p:spPr>
             <a:xfrm>
-              <a:off x="1396445" y="5240629"/>
-              <a:ext cx="750254" cy="193340"/>
+              <a:off x="562829" y="5075421"/>
+              <a:ext cx="750254" cy="98956"/>
             </a:xfrm>
             <a:prstGeom prst="rect">
               <a:avLst/>
@@ -4787,8 +5251,8 @@
           </p:nvSpPr>
           <p:spPr>
             <a:xfrm>
-              <a:off x="2230062" y="4997531"/>
-              <a:ext cx="750254" cy="436439"/>
+              <a:off x="1396445" y="4801618"/>
+              <a:ext cx="750254" cy="372760"/>
             </a:xfrm>
             <a:prstGeom prst="rect">
               <a:avLst/>
@@ -4822,8 +5286,8 @@
           </p:nvSpPr>
           <p:spPr>
             <a:xfrm>
-              <a:off x="3063678" y="4492250"/>
-              <a:ext cx="750254" cy="941720"/>
+              <a:off x="2230062" y="4667382"/>
+              <a:ext cx="750254" cy="506996"/>
             </a:xfrm>
             <a:prstGeom prst="rect">
               <a:avLst/>
@@ -4857,8 +5321,8 @@
           </p:nvSpPr>
           <p:spPr>
             <a:xfrm>
-              <a:off x="3897294" y="4346921"/>
-              <a:ext cx="750254" cy="1087049"/>
+              <a:off x="3063678" y="4485443"/>
+              <a:ext cx="750254" cy="688935"/>
             </a:xfrm>
             <a:prstGeom prst="rect">
               <a:avLst/>
@@ -4892,8 +5356,8 @@
           </p:nvSpPr>
           <p:spPr>
             <a:xfrm>
-              <a:off x="4730910" y="4167824"/>
-              <a:ext cx="750254" cy="1266146"/>
+              <a:off x="3897294" y="4420696"/>
+              <a:ext cx="750254" cy="753681"/>
             </a:xfrm>
             <a:prstGeom prst="rect">
               <a:avLst/>
@@ -4927,8 +5391,8 @@
           </p:nvSpPr>
           <p:spPr>
             <a:xfrm>
-              <a:off x="5564526" y="3961423"/>
-              <a:ext cx="750254" cy="1472547"/>
+              <a:off x="4730910" y="4287638"/>
+              <a:ext cx="750254" cy="886739"/>
             </a:xfrm>
             <a:prstGeom prst="rect">
               <a:avLst/>
@@ -4962,8 +5426,8 @@
           </p:nvSpPr>
           <p:spPr>
             <a:xfrm>
-              <a:off x="6398142" y="3350501"/>
-              <a:ext cx="750254" cy="2083469"/>
+              <a:off x="5564526" y="4126323"/>
+              <a:ext cx="750254" cy="1048054"/>
             </a:xfrm>
             <a:prstGeom prst="rect">
               <a:avLst/>
@@ -4997,8 +5461,8 @@
           </p:nvSpPr>
           <p:spPr>
             <a:xfrm>
-              <a:off x="7231758" y="2699637"/>
-              <a:ext cx="750254" cy="2734333"/>
+              <a:off x="6398142" y="3651790"/>
+              <a:ext cx="750254" cy="1522587"/>
             </a:xfrm>
             <a:prstGeom prst="rect">
               <a:avLst/>
@@ -5032,8 +5496,8 @@
           </p:nvSpPr>
           <p:spPr>
             <a:xfrm>
-              <a:off x="8065375" y="1385637"/>
-              <a:ext cx="750254" cy="4048333"/>
+              <a:off x="7231758" y="3138036"/>
+              <a:ext cx="750254" cy="2036341"/>
             </a:xfrm>
             <a:prstGeom prst="rect">
               <a:avLst/>
@@ -5061,13 +5525,48 @@
         </p:sp>
         <p:sp>
           <p:nvSpPr>
-            <p:cNvPr id="21" name="tx19"/>
+            <p:cNvPr id="21" name="rc19"/>
             <p:cNvSpPr/>
             <p:nvPr/>
           </p:nvSpPr>
           <p:spPr>
             <a:xfrm>
-              <a:off x="208165" y="5348692"/>
+              <a:off x="8065375" y="1379562"/>
+              <a:ext cx="750254" cy="3794816"/>
+            </a:xfrm>
+            <a:prstGeom prst="rect">
+              <a:avLst/>
+            </a:prstGeom>
+            <a:solidFill>
+              <a:srgbClr val="F68B33">
+                <a:alpha val="100000"/>
+              </a:srgbClr>
+            </a:solidFill>
+            <a:ln w="7143" cap="sq">
+              <a:solidFill>
+                <a:srgbClr val="FFFFFF">
+                  <a:alpha val="100000"/>
+                </a:srgbClr>
+              </a:solidFill>
+              <a:prstDash val="solid"/>
+              <a:miter/>
+            </a:ln>
+          </p:spPr>
+          <p:txBody>
+            <a:bodyPr/>
+            <a:lstStyle/>
+            <a:p/>
+          </p:txBody>
+        </p:sp>
+        <p:sp>
+          <p:nvSpPr>
+            <p:cNvPr id="22" name="tx20"/>
+            <p:cNvSpPr/>
+            <p:nvPr/>
+          </p:nvSpPr>
+          <p:spPr>
+            <a:xfrm>
+              <a:off x="208165" y="5089099"/>
               <a:ext cx="127136" cy="167096"/>
             </a:xfrm>
             <a:prstGeom prst="rect">
@@ -5107,13 +5606,13 @@
         </p:sp>
         <p:sp>
           <p:nvSpPr>
-            <p:cNvPr id="22" name="tx20"/>
+            <p:cNvPr id="23" name="tx21"/>
             <p:cNvSpPr/>
             <p:nvPr/>
           </p:nvSpPr>
           <p:spPr>
             <a:xfrm>
-              <a:off x="81028" y="3937501"/>
+              <a:off x="81028" y="3918112"/>
               <a:ext cx="254272" cy="167096"/>
             </a:xfrm>
             <a:prstGeom prst="rect">
@@ -5153,13 +5652,13 @@
         </p:sp>
         <p:sp>
           <p:nvSpPr>
-            <p:cNvPr id="23" name="tx21"/>
+            <p:cNvPr id="24" name="tx22"/>
             <p:cNvSpPr/>
             <p:nvPr/>
           </p:nvSpPr>
           <p:spPr>
             <a:xfrm>
-              <a:off x="81028" y="2526311"/>
+              <a:off x="81028" y="2747125"/>
               <a:ext cx="254272" cy="167096"/>
             </a:xfrm>
             <a:prstGeom prst="rect">
@@ -5199,13 +5698,59 @@
         </p:sp>
         <p:sp>
           <p:nvSpPr>
-            <p:cNvPr id="24" name="pl22"/>
+            <p:cNvPr id="25" name="tx23"/>
             <p:cNvSpPr/>
             <p:nvPr/>
           </p:nvSpPr>
           <p:spPr>
             <a:xfrm>
-              <a:off x="437787" y="5585446"/>
+              <a:off x="81028" y="1576027"/>
+              <a:ext cx="254272" cy="167208"/>
+            </a:xfrm>
+            <a:prstGeom prst="rect">
+              <a:avLst/>
+            </a:prstGeom>
+            <a:noFill/>
+          </p:spPr>
+          <p:txBody>
+            <a:bodyPr lIns="0" rIns="0" tIns="0" bIns="0" anchorCtr="1" anchor="ctr" wrap="none"/>
+            <a:lstStyle/>
+            <a:p>
+              <a:pPr algn="l" marL="0" marR="0" indent="0">
+                <a:lnSpc>
+                  <a:spcPts val="1800"/>
+                </a:lnSpc>
+                <a:spcBef>
+                  <a:spcPts val="0"/>
+                </a:spcBef>
+                <a:spcAft>
+                  <a:spcPts val="0"/>
+                </a:spcAft>
+              </a:pPr>
+              <a:r>
+                <a:rPr sz="1800">
+                  <a:solidFill>
+                    <a:srgbClr val="000000">
+                      <a:alpha val="100000"/>
+                    </a:srgbClr>
+                  </a:solidFill>
+                  <a:latin typeface="Arial"/>
+                  <a:cs typeface="Arial"/>
+                </a:rPr>
+                <a:t>30</a:t>
+              </a:r>
+            </a:p>
+          </p:txBody>
+        </p:sp>
+        <p:sp>
+          <p:nvSpPr>
+            <p:cNvPr id="26" name="pl24"/>
+            <p:cNvSpPr/>
+            <p:nvPr/>
+          </p:nvSpPr>
+          <p:spPr>
+            <a:xfrm>
+              <a:off x="437787" y="5174378"/>
               <a:ext cx="8502884" cy="0"/>
             </a:xfrm>
             <a:custGeom>
@@ -5239,93 +5784,13 @@
         </p:sp>
         <p:sp>
           <p:nvSpPr>
-            <p:cNvPr id="25" name="pl23"/>
-            <p:cNvSpPr/>
-            <p:nvPr/>
-          </p:nvSpPr>
-          <p:spPr>
-            <a:xfrm>
-              <a:off x="937957" y="5585446"/>
-              <a:ext cx="0" cy="56936"/>
-            </a:xfrm>
-            <a:custGeom>
-              <a:avLst/>
-              <a:pathLst>
-                <a:path w="0" h="56936">
-                  <a:moveTo>
-                    <a:pt x="0" y="56936"/>
-                  </a:moveTo>
-                  <a:lnTo>
-                    <a:pt x="0" y="0"/>
-                  </a:lnTo>
-                </a:path>
-              </a:pathLst>
-            </a:custGeom>
-            <a:ln w="7143" cap="flat">
-              <a:solidFill>
-                <a:srgbClr val="000000">
-                  <a:alpha val="100000"/>
-                </a:srgbClr>
-              </a:solidFill>
-              <a:prstDash val="solid"/>
-              <a:round/>
-            </a:ln>
-          </p:spPr>
-          <p:txBody>
-            <a:bodyPr/>
-            <a:lstStyle/>
-            <a:p/>
-          </p:txBody>
-        </p:sp>
-        <p:sp>
-          <p:nvSpPr>
-            <p:cNvPr id="26" name="pl24"/>
-            <p:cNvSpPr/>
-            <p:nvPr/>
-          </p:nvSpPr>
-          <p:spPr>
-            <a:xfrm>
-              <a:off x="1771573" y="5585446"/>
-              <a:ext cx="0" cy="56936"/>
-            </a:xfrm>
-            <a:custGeom>
-              <a:avLst/>
-              <a:pathLst>
-                <a:path w="0" h="56936">
-                  <a:moveTo>
-                    <a:pt x="0" y="56936"/>
-                  </a:moveTo>
-                  <a:lnTo>
-                    <a:pt x="0" y="0"/>
-                  </a:lnTo>
-                </a:path>
-              </a:pathLst>
-            </a:custGeom>
-            <a:ln w="7143" cap="flat">
-              <a:solidFill>
-                <a:srgbClr val="000000">
-                  <a:alpha val="100000"/>
-                </a:srgbClr>
-              </a:solidFill>
-              <a:prstDash val="solid"/>
-              <a:round/>
-            </a:ln>
-          </p:spPr>
-          <p:txBody>
-            <a:bodyPr/>
-            <a:lstStyle/>
-            <a:p/>
-          </p:txBody>
-        </p:sp>
-        <p:sp>
-          <p:nvSpPr>
             <p:cNvPr id="27" name="pl25"/>
             <p:cNvSpPr/>
             <p:nvPr/>
           </p:nvSpPr>
           <p:spPr>
             <a:xfrm>
-              <a:off x="2605189" y="5585446"/>
+              <a:off x="937957" y="5174378"/>
               <a:ext cx="0" cy="56936"/>
             </a:xfrm>
             <a:custGeom>
@@ -5365,7 +5830,7 @@
           </p:nvSpPr>
           <p:spPr>
             <a:xfrm>
-              <a:off x="3438805" y="5585446"/>
+              <a:off x="1771573" y="5174378"/>
               <a:ext cx="0" cy="56936"/>
             </a:xfrm>
             <a:custGeom>
@@ -5405,7 +5870,7 @@
           </p:nvSpPr>
           <p:spPr>
             <a:xfrm>
-              <a:off x="4272421" y="5585446"/>
+              <a:off x="2605189" y="5174378"/>
               <a:ext cx="0" cy="56936"/>
             </a:xfrm>
             <a:custGeom>
@@ -5445,7 +5910,7 @@
           </p:nvSpPr>
           <p:spPr>
             <a:xfrm>
-              <a:off x="5106037" y="5585446"/>
+              <a:off x="3438805" y="5174378"/>
               <a:ext cx="0" cy="56936"/>
             </a:xfrm>
             <a:custGeom>
@@ -5485,7 +5950,7 @@
           </p:nvSpPr>
           <p:spPr>
             <a:xfrm>
-              <a:off x="5939653" y="5585446"/>
+              <a:off x="4272421" y="5174378"/>
               <a:ext cx="0" cy="56936"/>
             </a:xfrm>
             <a:custGeom>
@@ -5525,7 +5990,7 @@
           </p:nvSpPr>
           <p:spPr>
             <a:xfrm>
-              <a:off x="6773270" y="5585446"/>
+              <a:off x="5106037" y="5174378"/>
               <a:ext cx="0" cy="56936"/>
             </a:xfrm>
             <a:custGeom>
@@ -5565,7 +6030,7 @@
           </p:nvSpPr>
           <p:spPr>
             <a:xfrm>
-              <a:off x="7606886" y="5585446"/>
+              <a:off x="5939653" y="5174378"/>
               <a:ext cx="0" cy="56936"/>
             </a:xfrm>
             <a:custGeom>
@@ -5605,7 +6070,7 @@
           </p:nvSpPr>
           <p:spPr>
             <a:xfrm>
-              <a:off x="8440502" y="5585446"/>
+              <a:off x="6773270" y="5174378"/>
               <a:ext cx="0" cy="56936"/>
             </a:xfrm>
             <a:custGeom>
@@ -5639,13 +6104,93 @@
         </p:sp>
         <p:sp>
           <p:nvSpPr>
-            <p:cNvPr id="35" name="tx33"/>
+            <p:cNvPr id="35" name="pl33"/>
             <p:cNvSpPr/>
             <p:nvPr/>
           </p:nvSpPr>
           <p:spPr>
             <a:xfrm>
-              <a:off x="874388" y="5687262"/>
+              <a:off x="7606886" y="5174378"/>
+              <a:ext cx="0" cy="56936"/>
+            </a:xfrm>
+            <a:custGeom>
+              <a:avLst/>
+              <a:pathLst>
+                <a:path w="0" h="56936">
+                  <a:moveTo>
+                    <a:pt x="0" y="56936"/>
+                  </a:moveTo>
+                  <a:lnTo>
+                    <a:pt x="0" y="0"/>
+                  </a:lnTo>
+                </a:path>
+              </a:pathLst>
+            </a:custGeom>
+            <a:ln w="7143" cap="flat">
+              <a:solidFill>
+                <a:srgbClr val="000000">
+                  <a:alpha val="100000"/>
+                </a:srgbClr>
+              </a:solidFill>
+              <a:prstDash val="solid"/>
+              <a:round/>
+            </a:ln>
+          </p:spPr>
+          <p:txBody>
+            <a:bodyPr/>
+            <a:lstStyle/>
+            <a:p/>
+          </p:txBody>
+        </p:sp>
+        <p:sp>
+          <p:nvSpPr>
+            <p:cNvPr id="36" name="pl34"/>
+            <p:cNvSpPr/>
+            <p:nvPr/>
+          </p:nvSpPr>
+          <p:spPr>
+            <a:xfrm>
+              <a:off x="8440502" y="5174378"/>
+              <a:ext cx="0" cy="56936"/>
+            </a:xfrm>
+            <a:custGeom>
+              <a:avLst/>
+              <a:pathLst>
+                <a:path w="0" h="56936">
+                  <a:moveTo>
+                    <a:pt x="0" y="56936"/>
+                  </a:moveTo>
+                  <a:lnTo>
+                    <a:pt x="0" y="0"/>
+                  </a:lnTo>
+                </a:path>
+              </a:pathLst>
+            </a:custGeom>
+            <a:ln w="7143" cap="flat">
+              <a:solidFill>
+                <a:srgbClr val="000000">
+                  <a:alpha val="100000"/>
+                </a:srgbClr>
+              </a:solidFill>
+              <a:prstDash val="solid"/>
+              <a:round/>
+            </a:ln>
+          </p:spPr>
+          <p:txBody>
+            <a:bodyPr/>
+            <a:lstStyle/>
+            <a:p/>
+          </p:txBody>
+        </p:sp>
+        <p:sp>
+          <p:nvSpPr>
+            <p:cNvPr id="37" name="tx35"/>
+            <p:cNvSpPr/>
+            <p:nvPr/>
+          </p:nvSpPr>
+          <p:spPr>
+            <a:xfrm>
+              <a:off x="874388" y="5276194"/>
               <a:ext cx="127136" cy="164306"/>
             </a:xfrm>
             <a:prstGeom prst="rect">
@@ -5685,13 +6230,13 @@
         </p:sp>
         <p:sp>
           <p:nvSpPr>
-            <p:cNvPr id="36" name="tx34"/>
+            <p:cNvPr id="38" name="tx36"/>
             <p:cNvSpPr/>
             <p:nvPr/>
           </p:nvSpPr>
           <p:spPr>
             <a:xfrm>
-              <a:off x="1708004" y="5687262"/>
+              <a:off x="1708004" y="5276194"/>
               <a:ext cx="127136" cy="164306"/>
             </a:xfrm>
             <a:prstGeom prst="rect">
@@ -5731,13 +6276,13 @@
         </p:sp>
         <p:sp>
           <p:nvSpPr>
-            <p:cNvPr id="37" name="tx35"/>
+            <p:cNvPr id="39" name="tx37"/>
             <p:cNvSpPr/>
             <p:nvPr/>
           </p:nvSpPr>
           <p:spPr>
             <a:xfrm>
-              <a:off x="2541621" y="5684360"/>
+              <a:off x="2541621" y="5273292"/>
               <a:ext cx="127136" cy="167208"/>
             </a:xfrm>
             <a:prstGeom prst="rect">
@@ -5777,13 +6322,13 @@
         </p:sp>
         <p:sp>
           <p:nvSpPr>
-            <p:cNvPr id="38" name="tx36"/>
+            <p:cNvPr id="40" name="tx38"/>
             <p:cNvSpPr/>
             <p:nvPr/>
           </p:nvSpPr>
           <p:spPr>
             <a:xfrm>
-              <a:off x="3375237" y="5687932"/>
+              <a:off x="3375237" y="5276863"/>
               <a:ext cx="127136" cy="163636"/>
             </a:xfrm>
             <a:prstGeom prst="rect">
@@ -5823,13 +6368,13 @@
         </p:sp>
         <p:sp>
           <p:nvSpPr>
-            <p:cNvPr id="39" name="tx37"/>
+            <p:cNvPr id="41" name="tx39"/>
             <p:cNvSpPr/>
             <p:nvPr/>
           </p:nvSpPr>
           <p:spPr>
             <a:xfrm>
-              <a:off x="4208853" y="5687374"/>
+              <a:off x="4208853" y="5276305"/>
               <a:ext cx="127136" cy="164194"/>
             </a:xfrm>
             <a:prstGeom prst="rect">
@@ -5869,13 +6414,13 @@
         </p:sp>
         <p:sp>
           <p:nvSpPr>
-            <p:cNvPr id="40" name="tx38"/>
+            <p:cNvPr id="42" name="tx40"/>
             <p:cNvSpPr/>
             <p:nvPr/>
           </p:nvSpPr>
           <p:spPr>
             <a:xfrm>
-              <a:off x="5042469" y="5684472"/>
+              <a:off x="5042469" y="5273403"/>
               <a:ext cx="127136" cy="167096"/>
             </a:xfrm>
             <a:prstGeom prst="rect">
@@ -5915,13 +6460,13 @@
         </p:sp>
         <p:sp>
           <p:nvSpPr>
-            <p:cNvPr id="41" name="tx39"/>
+            <p:cNvPr id="43" name="tx41"/>
             <p:cNvSpPr/>
             <p:nvPr/>
           </p:nvSpPr>
           <p:spPr>
             <a:xfrm>
-              <a:off x="5876085" y="5690053"/>
+              <a:off x="5876085" y="5278984"/>
               <a:ext cx="127136" cy="161515"/>
             </a:xfrm>
             <a:prstGeom prst="rect">
@@ -5961,13 +6506,13 @@
         </p:sp>
         <p:sp>
           <p:nvSpPr>
-            <p:cNvPr id="42" name="tx40"/>
+            <p:cNvPr id="44" name="tx42"/>
             <p:cNvSpPr/>
             <p:nvPr/>
           </p:nvSpPr>
           <p:spPr>
             <a:xfrm>
-              <a:off x="6709701" y="5684472"/>
+              <a:off x="6709701" y="5273403"/>
               <a:ext cx="127136" cy="167096"/>
             </a:xfrm>
             <a:prstGeom prst="rect">
@@ -6007,13 +6552,13 @@
         </p:sp>
         <p:sp>
           <p:nvSpPr>
-            <p:cNvPr id="43" name="tx41"/>
+            <p:cNvPr id="45" name="tx43"/>
             <p:cNvSpPr/>
             <p:nvPr/>
           </p:nvSpPr>
           <p:spPr>
             <a:xfrm>
-              <a:off x="7543317" y="5684472"/>
+              <a:off x="7543317" y="5273403"/>
               <a:ext cx="127136" cy="167096"/>
             </a:xfrm>
             <a:prstGeom prst="rect">
@@ -6053,13 +6598,13 @@
         </p:sp>
         <p:sp>
           <p:nvSpPr>
-            <p:cNvPr id="44" name="tx42"/>
+            <p:cNvPr id="46" name="tx44"/>
             <p:cNvSpPr/>
             <p:nvPr/>
           </p:nvSpPr>
           <p:spPr>
             <a:xfrm>
-              <a:off x="8313365" y="5684472"/>
+              <a:off x="8313365" y="5273403"/>
               <a:ext cx="254272" cy="167096"/>
             </a:xfrm>
             <a:prstGeom prst="rect">
@@ -6099,13 +6644,13 @@
         </p:sp>
         <p:sp>
           <p:nvSpPr>
-            <p:cNvPr id="45" name="tx43"/>
+            <p:cNvPr id="47" name="tx45"/>
             <p:cNvSpPr/>
             <p:nvPr/>
           </p:nvSpPr>
           <p:spPr>
             <a:xfrm>
-              <a:off x="4371611" y="5953935"/>
+              <a:off x="4371611" y="5542866"/>
               <a:ext cx="635235" cy="166315"/>
             </a:xfrm>
             <a:prstGeom prst="rect">
@@ -6145,14 +6690,14 @@
         </p:sp>
         <p:sp>
           <p:nvSpPr>
-            <p:cNvPr id="46" name="tx44"/>
+            <p:cNvPr id="48" name="tx46"/>
             <p:cNvSpPr/>
             <p:nvPr/>
           </p:nvSpPr>
           <p:spPr>
             <a:xfrm>
-              <a:off x="81028" y="6329898"/>
-              <a:ext cx="9090376" cy="119067"/>
+              <a:off x="81028" y="5918830"/>
+              <a:ext cx="8836630" cy="119067"/>
             </a:xfrm>
             <a:prstGeom prst="rect">
               <a:avLst/>
@@ -6184,21 +6729,21 @@
                   <a:latin typeface="Arial"/>
                   <a:cs typeface="Arial"/>
                 </a:rPr>
-                <a:t>Notes: Value of tax breaks calculated against a comprehensiveincome tax benchmark. Deciles sorted by taxable income.Projections to 2020-21 assume 2% wage</a:t>
+                <a:t>Notes: Value of tax breaks calculated against a comprehensive income tax benchmark. Deciles sorted by taxable income.Superannuation tax breaks includes</a:t>
               </a:r>
             </a:p>
           </p:txBody>
         </p:sp>
         <p:sp>
           <p:nvSpPr>
-            <p:cNvPr id="47" name="tx45"/>
+            <p:cNvPr id="49" name="tx47"/>
             <p:cNvSpPr/>
             <p:nvPr/>
           </p:nvSpPr>
           <p:spPr>
             <a:xfrm>
-              <a:off x="81028" y="6466921"/>
-              <a:ext cx="8025584" cy="119067"/>
+              <a:off x="81028" y="6056224"/>
+              <a:ext cx="8864693" cy="118695"/>
             </a:xfrm>
             <a:prstGeom prst="rect">
               <a:avLst/>
@@ -6230,14 +6775,152 @@
                   <a:latin typeface="Arial"/>
                   <a:cs typeface="Arial"/>
                 </a:rPr>
-                <a:t>growth and 0% growth in the number of taxfilers from 2019-20 to 2020-21 Only includes taxpayers that made a pre-tax contribution in that year.</a:t>
+                <a:t>concessional taxes for contributions and earnings, taking into account LISTO. Assumes 5% earnings in retirement and 7% earnings in accumulation; assumes</a:t>
               </a:r>
             </a:p>
           </p:txBody>
         </p:sp>
         <p:sp>
           <p:nvSpPr>
-            <p:cNvPr id="48" name="tx46"/>
+            <p:cNvPr id="50" name="tx48"/>
+            <p:cNvSpPr/>
+            <p:nvPr/>
+          </p:nvSpPr>
+          <p:spPr>
+            <a:xfrm>
+              <a:off x="81028" y="6193247"/>
+              <a:ext cx="8413513" cy="118695"/>
+            </a:xfrm>
+            <a:prstGeom prst="rect">
+              <a:avLst/>
+            </a:prstGeom>
+            <a:noFill/>
+          </p:spPr>
+          <p:txBody>
+            <a:bodyPr lIns="0" rIns="0" tIns="0" bIns="0" anchorCtr="1" anchor="ctr" wrap="none"/>
+            <a:lstStyle/>
+            <a:p>
+              <a:pPr algn="l" marL="0" marR="0" indent="0">
+                <a:lnSpc>
+                  <a:spcPts val="999"/>
+                </a:lnSpc>
+                <a:spcBef>
+                  <a:spcPts val="0"/>
+                </a:spcBef>
+                <a:spcAft>
+                  <a:spcPts val="0"/>
+                </a:spcAft>
+              </a:pPr>
+              <a:r>
+                <a:rPr sz="999" i="1">
+                  <a:solidFill>
+                    <a:srgbClr val="000000">
+                      <a:alpha val="100000"/>
+                    </a:srgbClr>
+                  </a:solidFill>
+                  <a:latin typeface="Arial"/>
+                  <a:cs typeface="Arial"/>
+                </a:rPr>
+                <a:t>that the effective tax on earnings is 10% assumes, if earnings taxes were abolished, taxfilers would put 80% of earnings income into assets that would</a:t>
+              </a:r>
+            </a:p>
+          </p:txBody>
+        </p:sp>
+        <p:sp>
+          <p:nvSpPr>
+            <p:cNvPr id="51" name="tx49"/>
+            <p:cNvSpPr/>
+            <p:nvPr/>
+          </p:nvSpPr>
+          <p:spPr>
+            <a:xfrm>
+              <a:off x="81028" y="6329898"/>
+              <a:ext cx="8794504" cy="119067"/>
+            </a:xfrm>
+            <a:prstGeom prst="rect">
+              <a:avLst/>
+            </a:prstGeom>
+            <a:noFill/>
+          </p:spPr>
+          <p:txBody>
+            <a:bodyPr lIns="0" rIns="0" tIns="0" bIns="0" anchorCtr="1" anchor="ctr" wrap="none"/>
+            <a:lstStyle/>
+            <a:p>
+              <a:pPr algn="l" marL="0" marR="0" indent="0">
+                <a:lnSpc>
+                  <a:spcPts val="999"/>
+                </a:lnSpc>
+                <a:spcBef>
+                  <a:spcPts val="0"/>
+                </a:spcBef>
+                <a:spcAft>
+                  <a:spcPts val="0"/>
+                </a:spcAft>
+              </a:pPr>
+              <a:r>
+                <a:rPr sz="999" i="1">
+                  <a:solidFill>
+                    <a:srgbClr val="000000">
+                      <a:alpha val="100000"/>
+                    </a:srgbClr>
+                  </a:solidFill>
+                  <a:latin typeface="Arial"/>
+                  <a:cs typeface="Arial"/>
+                </a:rPr>
+                <a:t>enjoy the capital gains tax discount; Projections to 2020-21 assume 2% wage growth and 0% growth in the number of taxfilers from 2019-20 to 2020-21 Only</a:t>
+              </a:r>
+            </a:p>
+          </p:txBody>
+        </p:sp>
+        <p:sp>
+          <p:nvSpPr>
+            <p:cNvPr id="52" name="tx50"/>
+            <p:cNvSpPr/>
+            <p:nvPr/>
+          </p:nvSpPr>
+          <p:spPr>
+            <a:xfrm>
+              <a:off x="81028" y="6468470"/>
+              <a:ext cx="3575551" cy="117518"/>
+            </a:xfrm>
+            <a:prstGeom prst="rect">
+              <a:avLst/>
+            </a:prstGeom>
+            <a:noFill/>
+          </p:spPr>
+          <p:txBody>
+            <a:bodyPr lIns="0" rIns="0" tIns="0" bIns="0" anchorCtr="1" anchor="ctr" wrap="none"/>
+            <a:lstStyle/>
+            <a:p>
+              <a:pPr algn="l" marL="0" marR="0" indent="0">
+                <a:lnSpc>
+                  <a:spcPts val="999"/>
+                </a:lnSpc>
+                <a:spcBef>
+                  <a:spcPts val="0"/>
+                </a:spcBef>
+                <a:spcAft>
+                  <a:spcPts val="0"/>
+                </a:spcAft>
+              </a:pPr>
+              <a:r>
+                <a:rPr sz="999" i="1">
+                  <a:solidFill>
+                    <a:srgbClr val="000000">
+                      <a:alpha val="100000"/>
+                    </a:srgbClr>
+                  </a:solidFill>
+                  <a:latin typeface="Arial"/>
+                  <a:cs typeface="Arial"/>
+                </a:rPr>
+                <a:t>includes taxpayers that made a pre-tax contribution in that year.</a:t>
+              </a:r>
+            </a:p>
+          </p:txBody>
+        </p:sp>
+        <p:sp>
+          <p:nvSpPr>
+            <p:cNvPr id="53" name="tx51"/>
             <p:cNvSpPr/>
             <p:nvPr/>
           </p:nvSpPr>
